--- a/63504-12_Lukashin_A_presentation.pptx
+++ b/63504-12_Lukashin_A_presentation.pptx
@@ -10,13 +10,13 @@
   <p:sldIdLst>
     <p:sldId id="256" r:id="rId2"/>
     <p:sldId id="257" r:id="rId3"/>
-    <p:sldId id="258" r:id="rId4"/>
-    <p:sldId id="259" r:id="rId5"/>
-    <p:sldId id="260" r:id="rId6"/>
-    <p:sldId id="261" r:id="rId7"/>
-    <p:sldId id="262" r:id="rId8"/>
-    <p:sldId id="263" r:id="rId9"/>
-    <p:sldId id="264" r:id="rId10"/>
+    <p:sldId id="266" r:id="rId4"/>
+    <p:sldId id="258" r:id="rId5"/>
+    <p:sldId id="259" r:id="rId6"/>
+    <p:sldId id="260" r:id="rId7"/>
+    <p:sldId id="261" r:id="rId8"/>
+    <p:sldId id="262" r:id="rId9"/>
+    <p:sldId id="263" r:id="rId10"/>
     <p:sldId id="265" r:id="rId11"/>
   </p:sldIdLst>
   <p:sldSz cx="9906000" cy="6858000" type="A4"/>
@@ -153,13 +153,13 @@
           <p14:sldIdLst>
             <p14:sldId id="256"/>
             <p14:sldId id="257"/>
+            <p14:sldId id="266"/>
             <p14:sldId id="258"/>
             <p14:sldId id="259"/>
             <p14:sldId id="260"/>
             <p14:sldId id="261"/>
             <p14:sldId id="262"/>
             <p14:sldId id="263"/>
-            <p14:sldId id="264"/>
             <p14:sldId id="265"/>
           </p14:sldIdLst>
         </p14:section>
@@ -4037,11 +4037,7 @@
             </a:r>
             <a:r>
               <a:rPr lang="ru-RU" dirty="0" smtClean="0"/>
-              <a:t> И.В</a:t>
-            </a:r>
-            <a:r>
-              <a:rPr lang="ru-RU" dirty="0" smtClean="0"/>
-              <a:t>.</a:t>
+              <a:t> И.В.</a:t>
             </a:r>
             <a:endParaRPr lang="en-US" dirty="0" smtClean="0"/>
           </a:p>
@@ -4247,63 +4243,56 @@
           <a:lstStyle/>
           <a:p>
             <a:r>
+              <a:rPr lang="ru-RU" dirty="0" smtClean="0"/>
+              <a:t>Верификация </a:t>
+            </a:r>
+            <a:r>
               <a:rPr lang="ru-RU" dirty="0"/>
-              <a:t>Верификация – это проверка модели (алгоритма, системы) на корректность работы, с учетом заданных правил. </a:t>
+              <a:t>(</a:t>
+            </a:r>
+            <a:r>
+              <a:rPr lang="en-US" dirty="0"/>
+              <a:t>model checking</a:t>
+            </a:r>
+            <a:r>
+              <a:rPr lang="ru-RU" dirty="0"/>
+              <a:t>) – это набор формальных приемов и методов подтверждения того, что разрабатываемая система удовлетворяет формальным установленным </a:t>
+            </a:r>
+            <a:r>
+              <a:rPr lang="ru-RU" dirty="0" smtClean="0"/>
+              <a:t>требованиям</a:t>
+            </a:r>
+          </a:p>
+          <a:p>
+            <a:endParaRPr lang="en-US" dirty="0" smtClean="0"/>
+          </a:p>
+          <a:p>
+            <a:r>
+              <a:rPr lang="ru-RU" dirty="0"/>
+              <a:t>От программных систем все в большей степени каждодневно зависят жизнь и здоровье людей, однако программирование до сих пор остается единственной областью инженерной деятельности, где разработчик фактически не может гарантировать качество своей </a:t>
+            </a:r>
+            <a:r>
+              <a:rPr lang="ru-RU" dirty="0" smtClean="0"/>
+              <a:t>работы</a:t>
+            </a:r>
+          </a:p>
+          <a:p>
+            <a:endParaRPr lang="en-US" dirty="0" smtClean="0"/>
+          </a:p>
+          <a:p>
+            <a:r>
+              <a:rPr lang="ru-RU" dirty="0" smtClean="0"/>
+              <a:t>Системы для формальной </a:t>
+            </a:r>
+            <a:r>
+              <a:rPr lang="ru-RU" dirty="0" smtClean="0"/>
+              <a:t>верификации ПО все чаще применяются в промышленной </a:t>
+            </a:r>
+            <a:r>
+              <a:rPr lang="ru-RU" dirty="0" smtClean="0"/>
+              <a:t>разработке</a:t>
             </a:r>
             <a:endParaRPr lang="ru-RU" dirty="0" smtClean="0"/>
-          </a:p>
-          <a:p>
-            <a:r>
-              <a:rPr lang="ru-RU" dirty="0" smtClean="0"/>
-              <a:t>Наблюдается устойчивая тенденция к усилению требований к корректности создаваемого ПО</a:t>
-            </a:r>
-          </a:p>
-          <a:p>
-            <a:r>
-              <a:rPr lang="ru-RU" dirty="0" smtClean="0"/>
-              <a:t>Системы для верификации ПО все чаще применяются в промышленной разработке</a:t>
-            </a:r>
-          </a:p>
-          <a:p>
-            <a:r>
-              <a:rPr lang="ru-RU" dirty="0" smtClean="0"/>
-              <a:t>В данной курсовой работе рассматривается модель </a:t>
-            </a:r>
-            <a:r>
-              <a:rPr lang="ru-RU" dirty="0"/>
-              <a:t>управления движением на </a:t>
-            </a:r>
-            <a:r>
-              <a:rPr lang="ru-RU" dirty="0" smtClean="0"/>
-              <a:t>перекрестке:</a:t>
-            </a:r>
-          </a:p>
-          <a:p>
-            <a:pPr lvl="1"/>
-            <a:r>
-              <a:rPr lang="ru-RU" dirty="0" smtClean="0"/>
-              <a:t>Каждое </a:t>
-            </a:r>
-            <a:r>
-              <a:rPr lang="ru-RU" dirty="0"/>
-              <a:t>направление контролируется своим светофором. </a:t>
-            </a:r>
-            <a:endParaRPr lang="ru-RU" dirty="0" smtClean="0"/>
-          </a:p>
-          <a:p>
-            <a:pPr lvl="1"/>
-            <a:r>
-              <a:rPr lang="ru-RU" dirty="0" smtClean="0"/>
-              <a:t>Машины появляются на всех направлениях независимо</a:t>
-            </a:r>
-          </a:p>
-          <a:p>
-            <a:pPr lvl="1"/>
-            <a:r>
-              <a:rPr lang="ru-RU" dirty="0" smtClean="0"/>
-              <a:t>Возможно одновременное движение по непересекающимся направлениям</a:t>
-            </a:r>
-            <a:endParaRPr lang="ru-RU" dirty="0"/>
           </a:p>
         </p:txBody>
       </p:sp>
@@ -4383,7 +4372,7 @@
           <a:p>
             <a:r>
               <a:rPr lang="ru-RU" dirty="0" smtClean="0"/>
-              <a:t>Цель и задачи работы</a:t>
+              <a:t>Описание модели</a:t>
             </a:r>
             <a:endParaRPr lang="ru-RU" dirty="0"/>
           </a:p>
@@ -4405,80 +4394,50 @@
           <a:lstStyle/>
           <a:p>
             <a:r>
-              <a:rPr lang="ru-RU" dirty="0" smtClean="0"/>
-              <a:t>Целью данной работы является изучение механизмов верификации в среде </a:t>
-            </a:r>
-            <a:r>
-              <a:rPr lang="en-US" dirty="0" smtClean="0"/>
-              <a:t>SPIN</a:t>
-            </a:r>
-            <a:r>
-              <a:rPr lang="ru-RU" dirty="0" smtClean="0"/>
-              <a:t> на учебной модели «Контроллер светофоров»</a:t>
-            </a:r>
-          </a:p>
-          <a:p>
-            <a:r>
-              <a:rPr lang="ru-RU" dirty="0" smtClean="0"/>
-              <a:t>В рамках достижения заданной цели можно выделить следующие задачи:</a:t>
-            </a:r>
+              <a:rPr lang="ru-RU" dirty="0"/>
+              <a:t>В данной курсовой работе рассматривается модель контроллера управления движением на дорожном перекрестке. Необходимо описать модель и проверить ее корректность при выполнении следующих условий: </a:t>
+            </a:r>
+            <a:endParaRPr lang="ru-RU" dirty="0" smtClean="0"/>
+          </a:p>
+          <a:p>
+            <a:endParaRPr lang="ru-RU" dirty="0"/>
           </a:p>
           <a:p>
             <a:pPr lvl="1"/>
             <a:r>
-              <a:rPr lang="ru-RU" dirty="0" smtClean="0"/>
-              <a:t>Разработать описание заданной модели на языке </a:t>
-            </a:r>
-            <a:r>
-              <a:rPr lang="en-US" dirty="0" err="1" smtClean="0"/>
-              <a:t>Promela</a:t>
-            </a:r>
-            <a:endParaRPr lang="ru-RU" dirty="0" smtClean="0"/>
+              <a:rPr lang="ru-RU" dirty="0"/>
+              <a:t>Каждое направление контролирует отдельный светофор</a:t>
+            </a:r>
           </a:p>
           <a:p>
             <a:pPr lvl="1"/>
             <a:r>
-              <a:rPr lang="ru-RU" dirty="0" smtClean="0"/>
-              <a:t>Описать правила корректного функционирования системы в виде </a:t>
-            </a:r>
-            <a:r>
-              <a:rPr lang="en-US" dirty="0" smtClean="0"/>
-              <a:t>LTL</a:t>
-            </a:r>
-            <a:r>
-              <a:rPr lang="ru-RU" dirty="0" smtClean="0"/>
-              <a:t> формул</a:t>
-            </a:r>
-          </a:p>
-          <a:p>
-            <a:pPr lvl="2"/>
-            <a:r>
-              <a:rPr lang="en-US" dirty="0" smtClean="0"/>
-              <a:t>Safety</a:t>
-            </a:r>
-          </a:p>
-          <a:p>
-            <a:pPr lvl="2"/>
-            <a:r>
-              <a:rPr lang="en-US" dirty="0" err="1" smtClean="0"/>
-              <a:t>Liveness</a:t>
-            </a:r>
-            <a:endParaRPr lang="en-US" dirty="0" smtClean="0"/>
-          </a:p>
-          <a:p>
-            <a:pPr lvl="2"/>
-            <a:r>
-              <a:rPr lang="en-US" dirty="0" smtClean="0"/>
-              <a:t>Fairness</a:t>
-            </a:r>
-            <a:endParaRPr lang="ru-RU" dirty="0" smtClean="0"/>
+              <a:rPr lang="ru-RU" dirty="0"/>
+              <a:t>Поведение светофоров описывается параллельными процессами</a:t>
+            </a:r>
           </a:p>
           <a:p>
             <a:pPr lvl="1"/>
             <a:r>
-              <a:rPr lang="ru-RU" dirty="0" smtClean="0"/>
-              <a:t>Провести верификацию для каждого правила</a:t>
-            </a:r>
+              <a:rPr lang="ru-RU" dirty="0"/>
+              <a:t>Необходимо моделировать появление машин</a:t>
+            </a:r>
+          </a:p>
+          <a:p>
+            <a:pPr lvl="1"/>
+            <a:r>
+              <a:rPr lang="ru-RU" dirty="0"/>
+              <a:t>Алгоритм управления движением не должен определяться заранее заданным порядком переключения светофоров</a:t>
+            </a:r>
+          </a:p>
+          <a:p>
+            <a:pPr lvl="1"/>
+            <a:r>
+              <a:rPr lang="ru-RU" dirty="0"/>
+              <a:t>В системе для каждого из направлений присутствуют датчики, фиксирующие наличие автомобилей.</a:t>
+            </a:r>
+          </a:p>
+          <a:p>
             <a:endParaRPr lang="ru-RU" dirty="0"/>
           </a:p>
         </p:txBody>
@@ -4502,6 +4461,180 @@
               <a:rPr lang="ru-RU" smtClean="0"/>
               <a:pPr/>
               <a:t>3</a:t>
+            </a:fld>
+            <a:endParaRPr lang="ru-RU"/>
+          </a:p>
+        </p:txBody>
+      </p:sp>
+    </p:spTree>
+    <p:extLst>
+      <p:ext uri="{BB962C8B-B14F-4D97-AF65-F5344CB8AC3E}">
+        <p14:creationId xmlns:p14="http://schemas.microsoft.com/office/powerpoint/2010/main" val="1767620140"/>
+      </p:ext>
+    </p:extLst>
+  </p:cSld>
+  <p:clrMapOvr>
+    <a:masterClrMapping/>
+  </p:clrMapOvr>
+  <p:transition spd="med">
+    <p:dissolve/>
+  </p:transition>
+</p:sld>
+</file>
+
+<file path=ppt/slides/slide4.xml><?xml version="1.0" encoding="utf-8"?>
+<p:sld xmlns:a="http://schemas.openxmlformats.org/drawingml/2006/main" xmlns:r="http://schemas.openxmlformats.org/officeDocument/2006/relationships" xmlns:p="http://schemas.openxmlformats.org/presentationml/2006/main">
+  <p:cSld>
+    <p:spTree>
+      <p:nvGrpSpPr>
+        <p:cNvPr id="1" name=""/>
+        <p:cNvGrpSpPr/>
+        <p:nvPr/>
+      </p:nvGrpSpPr>
+      <p:grpSpPr>
+        <a:xfrm>
+          <a:off x="0" y="0"/>
+          <a:ext cx="0" cy="0"/>
+          <a:chOff x="0" y="0"/>
+          <a:chExt cx="0" cy="0"/>
+        </a:xfrm>
+      </p:grpSpPr>
+      <p:sp>
+        <p:nvSpPr>
+          <p:cNvPr id="2" name="Title 1"/>
+          <p:cNvSpPr>
+            <a:spLocks noGrp="1"/>
+          </p:cNvSpPr>
+          <p:nvPr>
+            <p:ph type="title"/>
+          </p:nvPr>
+        </p:nvSpPr>
+        <p:spPr/>
+        <p:txBody>
+          <a:bodyPr/>
+          <a:lstStyle/>
+          <a:p>
+            <a:r>
+              <a:rPr lang="ru-RU" dirty="0" smtClean="0"/>
+              <a:t>Цель и задачи работы</a:t>
+            </a:r>
+            <a:endParaRPr lang="ru-RU" dirty="0"/>
+          </a:p>
+        </p:txBody>
+      </p:sp>
+      <p:sp>
+        <p:nvSpPr>
+          <p:cNvPr id="3" name="Content Placeholder 2"/>
+          <p:cNvSpPr>
+            <a:spLocks noGrp="1"/>
+          </p:cNvSpPr>
+          <p:nvPr>
+            <p:ph idx="1"/>
+          </p:nvPr>
+        </p:nvSpPr>
+        <p:spPr/>
+        <p:txBody>
+          <a:bodyPr/>
+          <a:lstStyle/>
+          <a:p>
+            <a:r>
+              <a:rPr lang="ru-RU" dirty="0" smtClean="0"/>
+              <a:t>Целью данной работы является изучение механизмов верификации в среде </a:t>
+            </a:r>
+            <a:r>
+              <a:rPr lang="en-US" dirty="0" smtClean="0"/>
+              <a:t>SPIN</a:t>
+            </a:r>
+            <a:r>
+              <a:rPr lang="ru-RU" dirty="0" smtClean="0"/>
+              <a:t> на учебной модели «Контроллер светофоров»</a:t>
+            </a:r>
+          </a:p>
+          <a:p>
+            <a:r>
+              <a:rPr lang="ru-RU" dirty="0" smtClean="0"/>
+              <a:t>В рамках достижения заданной цели можно выделить следующие задачи:</a:t>
+            </a:r>
+          </a:p>
+          <a:p>
+            <a:pPr lvl="1"/>
+            <a:r>
+              <a:rPr lang="ru-RU" dirty="0" smtClean="0"/>
+              <a:t>Разработать описание заданной модели на языке </a:t>
+            </a:r>
+            <a:r>
+              <a:rPr lang="en-US" dirty="0" err="1" smtClean="0"/>
+              <a:t>Promela</a:t>
+            </a:r>
+            <a:endParaRPr lang="ru-RU" dirty="0" smtClean="0"/>
+          </a:p>
+          <a:p>
+            <a:pPr lvl="1"/>
+            <a:r>
+              <a:rPr lang="ru-RU" dirty="0" smtClean="0"/>
+              <a:t>Описать правила корректного функционирования системы в виде </a:t>
+            </a:r>
+            <a:r>
+              <a:rPr lang="en-US" dirty="0" smtClean="0"/>
+              <a:t>LTL</a:t>
+            </a:r>
+            <a:r>
+              <a:rPr lang="ru-RU" dirty="0" smtClean="0"/>
+              <a:t> формул</a:t>
+            </a:r>
+          </a:p>
+          <a:p>
+            <a:pPr lvl="2"/>
+            <a:r>
+              <a:rPr lang="en-US" dirty="0" smtClean="0"/>
+              <a:t>Safety</a:t>
+            </a:r>
+          </a:p>
+          <a:p>
+            <a:pPr lvl="2"/>
+            <a:r>
+              <a:rPr lang="en-US" dirty="0" err="1" smtClean="0"/>
+              <a:t>Liveness</a:t>
+            </a:r>
+            <a:endParaRPr lang="en-US" dirty="0" smtClean="0"/>
+          </a:p>
+          <a:p>
+            <a:pPr lvl="2"/>
+            <a:r>
+              <a:rPr lang="en-US" dirty="0" smtClean="0"/>
+              <a:t>Fairness</a:t>
+            </a:r>
+            <a:endParaRPr lang="ru-RU" dirty="0" smtClean="0"/>
+          </a:p>
+          <a:p>
+            <a:pPr lvl="1"/>
+            <a:r>
+              <a:rPr lang="ru-RU" dirty="0" smtClean="0"/>
+              <a:t>Провести верификацию для каждого правила</a:t>
+            </a:r>
+            <a:endParaRPr lang="ru-RU" dirty="0"/>
+          </a:p>
+        </p:txBody>
+      </p:sp>
+      <p:sp>
+        <p:nvSpPr>
+          <p:cNvPr id="4" name="Slide Number Placeholder 3"/>
+          <p:cNvSpPr>
+            <a:spLocks noGrp="1"/>
+          </p:cNvSpPr>
+          <p:nvPr>
+            <p:ph type="sldNum" sz="quarter" idx="10"/>
+          </p:nvPr>
+        </p:nvSpPr>
+        <p:spPr/>
+        <p:txBody>
+          <a:bodyPr/>
+          <a:lstStyle/>
+          <a:p>
+            <a:fld id="{4D1E80B3-43CF-4E34-A55F-944DDF96AABE}" type="slidenum">
+              <a:rPr lang="ru-RU" smtClean="0"/>
+              <a:pPr/>
+              <a:t>4</a:t>
             </a:fld>
             <a:endParaRPr lang="ru-RU"/>
           </a:p>
@@ -4530,7 +4663,7 @@
 </p:sld>
 </file>
 
-<file path=ppt/slides/slide4.xml><?xml version="1.0" encoding="utf-8"?>
+<file path=ppt/slides/slide5.xml><?xml version="1.0" encoding="utf-8"?>
 <p:sld xmlns:a="http://schemas.openxmlformats.org/drawingml/2006/main" xmlns:r="http://schemas.openxmlformats.org/officeDocument/2006/relationships" xmlns:p="http://schemas.openxmlformats.org/presentationml/2006/main">
   <p:cSld>
     <p:spTree>
@@ -4695,7 +4828,7 @@
             <a:fld id="{4D1E80B3-43CF-4E34-A55F-944DDF96AABE}" type="slidenum">
               <a:rPr lang="ru-RU" smtClean="0"/>
               <a:pPr/>
-              <a:t>4</a:t>
+              <a:t>5</a:t>
             </a:fld>
             <a:endParaRPr lang="ru-RU"/>
           </a:p>
@@ -4758,156 +4891,6 @@
 </p:sld>
 </file>
 
-<file path=ppt/slides/slide5.xml><?xml version="1.0" encoding="utf-8"?>
-<p:sld xmlns:a="http://schemas.openxmlformats.org/drawingml/2006/main" xmlns:r="http://schemas.openxmlformats.org/officeDocument/2006/relationships" xmlns:p="http://schemas.openxmlformats.org/presentationml/2006/main">
-  <p:cSld>
-    <p:spTree>
-      <p:nvGrpSpPr>
-        <p:cNvPr id="1" name=""/>
-        <p:cNvGrpSpPr/>
-        <p:nvPr/>
-      </p:nvGrpSpPr>
-      <p:grpSpPr>
-        <a:xfrm>
-          <a:off x="0" y="0"/>
-          <a:ext cx="0" cy="0"/>
-          <a:chOff x="0" y="0"/>
-          <a:chExt cx="0" cy="0"/>
-        </a:xfrm>
-      </p:grpSpPr>
-      <p:sp>
-        <p:nvSpPr>
-          <p:cNvPr id="2" name="Title 1"/>
-          <p:cNvSpPr>
-            <a:spLocks noGrp="1"/>
-          </p:cNvSpPr>
-          <p:nvPr>
-            <p:ph type="title"/>
-          </p:nvPr>
-        </p:nvSpPr>
-        <p:spPr/>
-        <p:txBody>
-          <a:bodyPr/>
-          <a:lstStyle/>
-          <a:p>
-            <a:r>
-              <a:rPr lang="ru-RU" dirty="0" smtClean="0"/>
-              <a:t>Основная идея реализации</a:t>
-            </a:r>
-            <a:endParaRPr lang="ru-RU" dirty="0"/>
-          </a:p>
-        </p:txBody>
-      </p:sp>
-      <p:sp>
-        <p:nvSpPr>
-          <p:cNvPr id="3" name="Content Placeholder 2"/>
-          <p:cNvSpPr>
-            <a:spLocks noGrp="1"/>
-          </p:cNvSpPr>
-          <p:nvPr>
-            <p:ph idx="1"/>
-          </p:nvPr>
-        </p:nvSpPr>
-        <p:spPr/>
-        <p:txBody>
-          <a:bodyPr/>
-          <a:lstStyle/>
-          <a:p>
-            <a:r>
-              <a:rPr lang="ru-RU" dirty="0" smtClean="0"/>
-              <a:t>Каждое пересечение является разделяемым ресурсом (канал единичной глубины)</a:t>
-            </a:r>
-          </a:p>
-          <a:p>
-            <a:r>
-              <a:rPr lang="ru-RU" dirty="0" smtClean="0"/>
-              <a:t>Захват (получение из канала значения </a:t>
-            </a:r>
-            <a:r>
-              <a:rPr lang="en-US" dirty="0" smtClean="0"/>
-              <a:t>true</a:t>
-            </a:r>
-            <a:r>
-              <a:rPr lang="ru-RU" dirty="0" smtClean="0"/>
-              <a:t>) всех необходимых пересечений гарантирует безопасный проезд</a:t>
-            </a:r>
-          </a:p>
-          <a:p>
-            <a:r>
-              <a:rPr lang="ru-RU" dirty="0" smtClean="0"/>
-              <a:t>После окончания трафика ресурс освобождается (канал заполняется значение </a:t>
-            </a:r>
-            <a:r>
-              <a:rPr lang="en-US" dirty="0" smtClean="0"/>
-              <a:t>true</a:t>
-            </a:r>
-            <a:r>
-              <a:rPr lang="ru-RU" dirty="0" smtClean="0"/>
-              <a:t>)</a:t>
-            </a:r>
-          </a:p>
-          <a:p>
-            <a:r>
-              <a:rPr lang="ru-RU" dirty="0" smtClean="0"/>
-              <a:t>Контроллер, диагностировавший наличие машин, ожидает освобождения требуемых пересечений</a:t>
-            </a:r>
-          </a:p>
-          <a:p>
-            <a:r>
-              <a:rPr lang="ru-RU" dirty="0" smtClean="0"/>
-              <a:t>Непересекающиеся направления не блокируются</a:t>
-            </a:r>
-            <a:endParaRPr lang="ru-RU" dirty="0"/>
-          </a:p>
-        </p:txBody>
-      </p:sp>
-      <p:sp>
-        <p:nvSpPr>
-          <p:cNvPr id="4" name="Slide Number Placeholder 3"/>
-          <p:cNvSpPr>
-            <a:spLocks noGrp="1"/>
-          </p:cNvSpPr>
-          <p:nvPr>
-            <p:ph type="sldNum" sz="quarter" idx="10"/>
-          </p:nvPr>
-        </p:nvSpPr>
-        <p:spPr/>
-        <p:txBody>
-          <a:bodyPr/>
-          <a:lstStyle/>
-          <a:p>
-            <a:fld id="{4D1E80B3-43CF-4E34-A55F-944DDF96AABE}" type="slidenum">
-              <a:rPr lang="ru-RU" smtClean="0"/>
-              <a:pPr/>
-              <a:t>5</a:t>
-            </a:fld>
-            <a:endParaRPr lang="ru-RU"/>
-          </a:p>
-        </p:txBody>
-      </p:sp>
-    </p:spTree>
-    <p:extLst>
-      <p:ext uri="{BB962C8B-B14F-4D97-AF65-F5344CB8AC3E}">
-        <p14:creationId xmlns:p14="http://schemas.microsoft.com/office/powerpoint/2010/main" val="1315976693"/>
-      </p:ext>
-    </p:extLst>
-  </p:cSld>
-  <p:clrMapOvr>
-    <a:masterClrMapping/>
-  </p:clrMapOvr>
-  <p:transition spd="med">
-    <p:dissolve/>
-  </p:transition>
-  <p:timing>
-    <p:tnLst>
-      <p:par>
-        <p:cTn id="1" dur="indefinite" restart="never" nodeType="tmRoot"/>
-      </p:par>
-    </p:tnLst>
-  </p:timing>
-</p:sld>
-</file>
-
 <file path=ppt/slides/slide6.xml><?xml version="1.0" encoding="utf-8"?>
 <p:sld xmlns:a="http://schemas.openxmlformats.org/drawingml/2006/main" xmlns:r="http://schemas.openxmlformats.org/officeDocument/2006/relationships" xmlns:p="http://schemas.openxmlformats.org/presentationml/2006/main">
   <p:cSld>
@@ -4942,7 +4925,7 @@
           <a:p>
             <a:r>
               <a:rPr lang="ru-RU" dirty="0" smtClean="0"/>
-              <a:t>Описание модели</a:t>
+              <a:t>Основная идея реализации</a:t>
             </a:r>
             <a:endParaRPr lang="ru-RU" dirty="0"/>
           </a:p>
@@ -4963,80 +4946,39 @@
           <a:bodyPr/>
           <a:lstStyle/>
           <a:p>
+            <a:pPr lvl="0"/>
             <a:r>
               <a:rPr lang="ru-RU" dirty="0"/>
-              <a:t>Каждый контроллер светофора является отдельным </a:t>
-            </a:r>
-            <a:r>
-              <a:rPr lang="ru-RU" dirty="0" smtClean="0"/>
-              <a:t>процессом</a:t>
-            </a:r>
-          </a:p>
-          <a:p>
-            <a:endParaRPr lang="ru-RU" dirty="0" smtClean="0"/>
+              <a:t>Каждый контроллер светофора описывается отдельным процессом</a:t>
+            </a:r>
           </a:p>
           <a:p>
             <a:pPr lvl="0"/>
             <a:r>
               <a:rPr lang="ru-RU" dirty="0"/>
-              <a:t>Сигнал светофора может быть двух видов: красный – </a:t>
-            </a:r>
-            <a:r>
-              <a:rPr lang="ru-RU" dirty="0" smtClean="0"/>
-              <a:t>зеленый</a:t>
+              <a:t>Сигнал светофора может быть двух видов: красный (запрещающий движение) – зеленый (разрешающий движение)</a:t>
             </a:r>
           </a:p>
           <a:p>
             <a:pPr lvl="0"/>
-            <a:endParaRPr lang="ru-RU" dirty="0"/>
+            <a:r>
+              <a:rPr lang="ru-RU" dirty="0"/>
+              <a:t>Датчик движения определяет наличие машины перед светофором</a:t>
+            </a:r>
           </a:p>
           <a:p>
             <a:pPr lvl="0"/>
             <a:r>
               <a:rPr lang="ru-RU" dirty="0"/>
-              <a:t>Состояние светофора описывается глобальными </a:t>
-            </a:r>
-            <a:r>
-              <a:rPr lang="ru-RU" dirty="0" smtClean="0"/>
-              <a:t>переменными</a:t>
+              <a:t>Появление машин (траффик) генерируется внешним, по отношению к контроллерам, процессом</a:t>
             </a:r>
           </a:p>
           <a:p>
             <a:pPr lvl="0"/>
-            <a:endParaRPr lang="ru-RU" dirty="0"/>
-          </a:p>
-          <a:p>
-            <a:pPr lvl="0"/>
             <a:r>
               <a:rPr lang="ru-RU" dirty="0"/>
-              <a:t>Датчики движения также являются глобальными </a:t>
-            </a:r>
-            <a:r>
-              <a:rPr lang="ru-RU" dirty="0" smtClean="0"/>
-              <a:t>переменными</a:t>
-            </a:r>
-          </a:p>
-          <a:p>
-            <a:pPr lvl="0"/>
-            <a:endParaRPr lang="ru-RU" dirty="0"/>
-          </a:p>
-          <a:p>
-            <a:pPr lvl="0"/>
-            <a:r>
-              <a:rPr lang="ru-RU" dirty="0"/>
-              <a:t>Движение (траффик машин) генерируется внешним, по отношению к контроллерам, </a:t>
-            </a:r>
-            <a:r>
-              <a:rPr lang="ru-RU" dirty="0" smtClean="0"/>
-              <a:t>процессом. Направления выбираются случайным </a:t>
-            </a:r>
-            <a:r>
-              <a:rPr lang="ru-RU" dirty="0"/>
-              <a:t>образом</a:t>
-            </a:r>
-          </a:p>
-          <a:p>
-            <a:endParaRPr lang="ru-RU" dirty="0"/>
+              <a:t>Появление машин происходит по всем направлениям независимо друг от друга (нет заранее определенной очередности возникновения машин на направлениях)</a:t>
+            </a:r>
           </a:p>
         </p:txBody>
       </p:sp>
@@ -5067,7 +5009,7 @@
     </p:spTree>
     <p:extLst>
       <p:ext uri="{BB962C8B-B14F-4D97-AF65-F5344CB8AC3E}">
-        <p14:creationId xmlns:p14="http://schemas.microsoft.com/office/powerpoint/2010/main" val="2110436791"/>
+        <p14:creationId xmlns:p14="http://schemas.microsoft.com/office/powerpoint/2010/main" val="1315976693"/>
       </p:ext>
     </p:extLst>
   </p:cSld>
@@ -5121,7 +5063,7 @@
           <a:p>
             <a:r>
               <a:rPr lang="ru-RU" dirty="0" smtClean="0"/>
-              <a:t>Проверяемые свойства</a:t>
+              <a:t>Пересечения – разделяемый ресурс</a:t>
             </a:r>
             <a:endParaRPr lang="ru-RU" dirty="0"/>
           </a:p>
@@ -5143,194 +5085,156 @@
           <a:lstStyle/>
           <a:p>
             <a:r>
+              <a:rPr lang="ru-RU" dirty="0"/>
+              <a:t>Разделяемые ресурсы (конкурентные пересечения) описываются каналами единичной емкости и принимающие элементы типа </a:t>
+            </a:r>
+            <a:r>
+              <a:rPr lang="en-US" b="1" dirty="0" err="1" smtClean="0"/>
+              <a:t>bool</a:t>
+            </a:r>
+            <a:endParaRPr lang="ru-RU" dirty="0" smtClean="0"/>
+          </a:p>
+          <a:p>
+            <a:r>
+              <a:rPr lang="ru-RU" dirty="0"/>
+              <a:t>З</a:t>
+            </a:r>
+            <a:r>
               <a:rPr lang="ru-RU" dirty="0" smtClean="0"/>
-              <a:t>Безопасность</a:t>
+              <a:t>ахват </a:t>
+            </a:r>
+            <a:r>
+              <a:rPr lang="ru-RU" dirty="0"/>
+              <a:t>ресурсы означает получение из канала значения </a:t>
+            </a:r>
+            <a:r>
+              <a:rPr lang="en-US" b="1" dirty="0" smtClean="0"/>
+              <a:t>true</a:t>
+            </a:r>
+            <a:endParaRPr lang="ru-RU" b="1" dirty="0" smtClean="0"/>
+          </a:p>
+          <a:p>
+            <a:r>
+              <a:rPr lang="ru-RU" dirty="0"/>
+              <a:t>Н</a:t>
+            </a:r>
+            <a:r>
+              <a:rPr lang="ru-RU" dirty="0" smtClean="0"/>
+              <a:t>екоторые </a:t>
+            </a:r>
+            <a:r>
+              <a:rPr lang="ru-RU" dirty="0"/>
+              <a:t>каналы задают не одно пересечение, а </a:t>
+            </a:r>
+            <a:r>
+              <a:rPr lang="ru-RU" dirty="0" smtClean="0"/>
+              <a:t>несколько</a:t>
+            </a:r>
+          </a:p>
+          <a:p>
+            <a:r>
+              <a:rPr lang="ru-RU" dirty="0" smtClean="0"/>
+              <a:t>В системе присутствуют следующие каналы:</a:t>
             </a:r>
           </a:p>
           <a:p>
             <a:pPr lvl="1"/>
             <a:r>
-              <a:rPr lang="ru-RU" dirty="0"/>
-              <a:t>Никогда не будет такой ситуации, что на данном направлении будет гореть зеленый свет, и на всех, пересекающих это направление дорогах, тоже будет </a:t>
-            </a:r>
-            <a:r>
-              <a:rPr lang="ru-RU" dirty="0" smtClean="0"/>
-              <a:t>зеленый</a:t>
-            </a:r>
+              <a:rPr lang="en-US" b="1" dirty="0" err="1"/>
+              <a:t>chan</a:t>
+            </a:r>
+            <a:r>
+              <a:rPr lang="en-US" b="1" dirty="0"/>
+              <a:t> NS_WN_EW = [1] of {</a:t>
+            </a:r>
+            <a:r>
+              <a:rPr lang="en-US" b="1" dirty="0" err="1"/>
+              <a:t>bool</a:t>
+            </a:r>
+            <a:r>
+              <a:rPr lang="en-US" b="1" dirty="0"/>
+              <a:t>};</a:t>
+            </a:r>
+            <a:endParaRPr lang="ru-RU" dirty="0"/>
           </a:p>
           <a:p>
             <a:pPr lvl="1"/>
             <a:r>
-              <a:rPr lang="ru-RU" dirty="0" smtClean="0"/>
-              <a:t>Пример: </a:t>
-            </a:r>
-            <a:r>
-              <a:rPr lang="en-US" dirty="0" smtClean="0"/>
-              <a:t>{[] </a:t>
-            </a:r>
-            <a:r>
-              <a:rPr lang="en-US" dirty="0"/>
-              <a:t>!</a:t>
-            </a:r>
-            <a:r>
-              <a:rPr lang="en-US" dirty="0" err="1"/>
-              <a:t>pNS_S</a:t>
-            </a:r>
-            <a:r>
-              <a:rPr lang="en-US" dirty="0" smtClean="0"/>
-              <a:t>}</a:t>
-            </a:r>
-            <a:r>
-              <a:rPr lang="ru-RU" dirty="0" smtClean="0"/>
-              <a:t> при: </a:t>
-            </a:r>
-          </a:p>
-          <a:p>
-            <a:pPr lvl="2"/>
-            <a:r>
-              <a:rPr lang="en-US" dirty="0" err="1" smtClean="0"/>
-              <a:t>pNS_S</a:t>
-            </a:r>
-            <a:r>
-              <a:rPr lang="en-US" dirty="0" smtClean="0"/>
-              <a:t> </a:t>
-            </a:r>
-            <a:r>
-              <a:rPr lang="en-US" dirty="0"/>
-              <a:t>(NS_L==Green &amp;&amp; WN_L==Green &amp;&amp; SW_L==Green &amp;&amp; EW_L==Green)</a:t>
-            </a:r>
-            <a:endParaRPr lang="ru-RU" dirty="0" smtClean="0"/>
-          </a:p>
-          <a:p>
-            <a:r>
-              <a:rPr lang="ru-RU" dirty="0" smtClean="0"/>
-              <a:t>Живость и справедливость</a:t>
-            </a:r>
+              <a:rPr lang="en-US" b="1" dirty="0" err="1"/>
+              <a:t>chan</a:t>
+            </a:r>
+            <a:r>
+              <a:rPr lang="en-US" b="1" dirty="0"/>
+              <a:t> NS_WN_SW = [1] of {</a:t>
+            </a:r>
+            <a:r>
+              <a:rPr lang="en-US" b="1" dirty="0" err="1"/>
+              <a:t>bool</a:t>
+            </a:r>
+            <a:r>
+              <a:rPr lang="en-US" b="1" dirty="0"/>
+              <a:t>};</a:t>
+            </a:r>
+            <a:endParaRPr lang="ru-RU" dirty="0"/>
           </a:p>
           <a:p>
             <a:pPr lvl="1"/>
             <a:r>
-              <a:rPr lang="ru-RU" dirty="0"/>
-              <a:t>При наличии ожидающих автомобилей на каком-либо направлении ему обязательно представится возможность проехать (возможно, через какое-то время), при ограничении, что в каждом направлении не движется непрерывный поток </a:t>
-            </a:r>
-            <a:r>
-              <a:rPr lang="ru-RU" dirty="0" smtClean="0"/>
-              <a:t>автомобилей</a:t>
-            </a:r>
+              <a:rPr lang="en-US" b="1" dirty="0" err="1"/>
+              <a:t>chan</a:t>
+            </a:r>
+            <a:r>
+              <a:rPr lang="en-US" b="1" dirty="0"/>
+              <a:t> NE_WN_EW = [1] of {</a:t>
+            </a:r>
+            <a:r>
+              <a:rPr lang="en-US" b="1" dirty="0" err="1"/>
+              <a:t>bool</a:t>
+            </a:r>
+            <a:r>
+              <a:rPr lang="en-US" b="1" dirty="0"/>
+              <a:t>};</a:t>
+            </a:r>
+            <a:endParaRPr lang="ru-RU" dirty="0"/>
           </a:p>
           <a:p>
             <a:pPr lvl="1"/>
             <a:r>
-              <a:rPr lang="ru-RU" dirty="0" smtClean="0"/>
-              <a:t>Пример: </a:t>
-            </a:r>
-            <a:r>
-              <a:rPr lang="ru-RU" dirty="0"/>
-              <a:t>{[] &lt;&gt; !</a:t>
-            </a:r>
-            <a:r>
-              <a:rPr lang="en-US" dirty="0" err="1"/>
-              <a:t>pNS</a:t>
-            </a:r>
-            <a:r>
-              <a:rPr lang="ru-RU" dirty="0"/>
-              <a:t>_</a:t>
-            </a:r>
-            <a:r>
-              <a:rPr lang="en-US" dirty="0"/>
-              <a:t>F</a:t>
-            </a:r>
-            <a:r>
-              <a:rPr lang="ru-RU" dirty="0"/>
-              <a:t> -&gt; ([] &lt;&gt; (!</a:t>
-            </a:r>
-            <a:r>
-              <a:rPr lang="en-US" dirty="0" err="1"/>
-              <a:t>pNS</a:t>
-            </a:r>
-            <a:r>
-              <a:rPr lang="ru-RU" dirty="0"/>
-              <a:t>_</a:t>
-            </a:r>
-            <a:r>
-              <a:rPr lang="en-US" dirty="0"/>
-              <a:t>F</a:t>
-            </a:r>
-            <a:r>
-              <a:rPr lang="ru-RU" dirty="0"/>
-              <a:t>) &amp;&amp; (</a:t>
-            </a:r>
-            <a:r>
-              <a:rPr lang="en-US" dirty="0" err="1"/>
-              <a:t>pNS</a:t>
-            </a:r>
-            <a:r>
-              <a:rPr lang="ru-RU" dirty="0"/>
-              <a:t>_</a:t>
-            </a:r>
-            <a:r>
-              <a:rPr lang="en-US" dirty="0"/>
-              <a:t>L</a:t>
-            </a:r>
-            <a:r>
-              <a:rPr lang="ru-RU" dirty="0"/>
-              <a:t> -&gt; (&lt;&gt; </a:t>
-            </a:r>
-            <a:r>
-              <a:rPr lang="en-US" dirty="0" err="1"/>
-              <a:t>qNS</a:t>
-            </a:r>
-            <a:r>
-              <a:rPr lang="ru-RU" dirty="0"/>
-              <a:t>_</a:t>
-            </a:r>
-            <a:r>
-              <a:rPr lang="en-US" dirty="0"/>
-              <a:t>L</a:t>
-            </a:r>
-            <a:r>
-              <a:rPr lang="ru-RU" dirty="0" smtClean="0"/>
-              <a:t>)))} при:</a:t>
-            </a:r>
-          </a:p>
-          <a:p>
-            <a:pPr lvl="2"/>
-            <a:r>
-              <a:rPr lang="en-US" dirty="0" err="1"/>
-              <a:t>pNS_F</a:t>
-            </a:r>
-            <a:r>
-              <a:rPr lang="en-US" dirty="0"/>
-              <a:t> ((NS_L==Green) &amp;&amp; NS_S)</a:t>
-            </a:r>
-            <a:endParaRPr lang="ru-RU" sz="3200" dirty="0"/>
-          </a:p>
-          <a:p>
-            <a:pPr lvl="2"/>
-            <a:r>
-              <a:rPr lang="en-US" dirty="0" err="1"/>
-              <a:t>pNS_L</a:t>
-            </a:r>
-            <a:r>
-              <a:rPr lang="en-US" dirty="0"/>
-              <a:t> (NS_S &amp;&amp; (NS_L==Red))</a:t>
-            </a:r>
-            <a:endParaRPr lang="ru-RU" sz="3200" dirty="0"/>
-          </a:p>
-          <a:p>
-            <a:pPr lvl="2"/>
-            <a:r>
-              <a:rPr lang="en-US" dirty="0" err="1"/>
-              <a:t>qNS_L</a:t>
-            </a:r>
-            <a:r>
-              <a:rPr lang="en-US" dirty="0"/>
-              <a:t> (NS_L==Green)</a:t>
-            </a:r>
-            <a:endParaRPr lang="ru-RU" sz="3200" dirty="0"/>
-          </a:p>
-          <a:p>
-            <a:pPr lvl="2"/>
+              <a:rPr lang="en-US" b="1" dirty="0" err="1"/>
+              <a:t>chan</a:t>
+            </a:r>
+            <a:r>
+              <a:rPr lang="en-US" b="1" dirty="0"/>
+              <a:t> NE_ES = [1] of {</a:t>
+            </a:r>
+            <a:r>
+              <a:rPr lang="en-US" b="1" dirty="0" err="1"/>
+              <a:t>bool</a:t>
+            </a:r>
+            <a:r>
+              <a:rPr lang="en-US" b="1" dirty="0"/>
+              <a:t>};</a:t>
+            </a:r>
+            <a:endParaRPr lang="ru-RU" dirty="0"/>
+          </a:p>
+          <a:p>
+            <a:pPr lvl="1"/>
+            <a:r>
+              <a:rPr lang="en-US" b="1" dirty="0" err="1"/>
+              <a:t>chan</a:t>
+            </a:r>
+            <a:r>
+              <a:rPr lang="en-US" b="1" dirty="0"/>
+              <a:t> ES_SW = [1] of {</a:t>
+            </a:r>
+            <a:r>
+              <a:rPr lang="en-US" b="1" dirty="0" err="1"/>
+              <a:t>bool</a:t>
+            </a:r>
+            <a:r>
+              <a:rPr lang="en-US" b="1" dirty="0"/>
+              <a:t>}; </a:t>
+            </a:r>
             <a:endParaRPr lang="ru-RU" dirty="0"/>
           </a:p>
         </p:txBody>
@@ -5362,7 +5266,7 @@
     </p:spTree>
     <p:extLst>
       <p:ext uri="{BB962C8B-B14F-4D97-AF65-F5344CB8AC3E}">
-        <p14:creationId xmlns:p14="http://schemas.microsoft.com/office/powerpoint/2010/main" val="1373475117"/>
+        <p14:creationId xmlns:p14="http://schemas.microsoft.com/office/powerpoint/2010/main" val="2110436791"/>
       </p:ext>
     </p:extLst>
   </p:cSld>
@@ -5416,7 +5320,7 @@
           <a:p>
             <a:r>
               <a:rPr lang="ru-RU" dirty="0" smtClean="0"/>
-              <a:t>Результаты и выводы</a:t>
+              <a:t>Проверяемые свойства</a:t>
             </a:r>
             <a:endParaRPr lang="ru-RU" dirty="0"/>
           </a:p>
@@ -5439,46 +5343,252 @@
           <a:p>
             <a:r>
               <a:rPr lang="ru-RU" dirty="0" smtClean="0"/>
-              <a:t>Модель удовлетворяет всем свойствам корректности для заданных направлений</a:t>
-            </a:r>
-          </a:p>
-          <a:p>
+              <a:t>Безопасность</a:t>
+            </a:r>
+          </a:p>
+          <a:p>
+            <a:pPr lvl="1"/>
+            <a:r>
+              <a:rPr lang="ru-RU" dirty="0"/>
+              <a:t>Никогда не будет такой ситуации, что на данном направлении будет гореть зеленый свет, и на всех, пересекающих это направление дорогах, тоже будет </a:t>
+            </a:r>
             <a:r>
               <a:rPr lang="ru-RU" dirty="0" smtClean="0"/>
-              <a:t>Были исследованы возможности системы верификации </a:t>
+              <a:t>зеленый</a:t>
+            </a:r>
+          </a:p>
+          <a:p>
+            <a:pPr lvl="1"/>
+            <a:r>
+              <a:rPr lang="ru-RU" dirty="0" smtClean="0"/>
+              <a:t>Пример: </a:t>
             </a:r>
             <a:r>
               <a:rPr lang="en-US" dirty="0" smtClean="0"/>
-              <a:t>SPIN</a:t>
+              <a:t>{[] </a:t>
+            </a:r>
+            <a:r>
+              <a:rPr lang="en-US" dirty="0"/>
+              <a:t>!</a:t>
+            </a:r>
+            <a:r>
+              <a:rPr lang="en-US" dirty="0" err="1"/>
+              <a:t>pNS_S</a:t>
+            </a:r>
+            <a:r>
+              <a:rPr lang="en-US" dirty="0" smtClean="0"/>
+              <a:t>}</a:t>
+            </a:r>
+            <a:r>
+              <a:rPr lang="ru-RU" dirty="0" smtClean="0"/>
+              <a:t> при: </a:t>
             </a:r>
             <a:endParaRPr lang="ru-RU" dirty="0" smtClean="0"/>
           </a:p>
           <a:p>
+            <a:pPr marL="914400" lvl="2" indent="0">
+              <a:buNone/>
+            </a:pPr>
+            <a:r>
+              <a:rPr lang="en-US" b="1" dirty="0" err="1"/>
+              <a:t>pNS_S</a:t>
+            </a:r>
+            <a:r>
+              <a:rPr lang="en-US" b="1" dirty="0"/>
+              <a:t> (</a:t>
+            </a:r>
+            <a:r>
+              <a:rPr lang="en-US" b="1" dirty="0" err="1"/>
+              <a:t>NS@green</a:t>
+            </a:r>
+            <a:r>
+              <a:rPr lang="en-US" b="1" dirty="0"/>
+              <a:t> &amp;&amp; </a:t>
+            </a:r>
+            <a:r>
+              <a:rPr lang="en-US" b="1" dirty="0" err="1"/>
+              <a:t>WN@green</a:t>
+            </a:r>
+            <a:r>
+              <a:rPr lang="en-US" b="1" dirty="0"/>
+              <a:t> &amp;&amp; </a:t>
+            </a:r>
+            <a:r>
+              <a:rPr lang="en-US" b="1" dirty="0" err="1"/>
+              <a:t>SW@green</a:t>
+            </a:r>
+            <a:r>
+              <a:rPr lang="en-US" b="1" dirty="0"/>
+              <a:t> &amp;&amp; </a:t>
+            </a:r>
+            <a:r>
+              <a:rPr lang="en-US" b="1" dirty="0" err="1"/>
+              <a:t>EW@green</a:t>
+            </a:r>
+            <a:r>
+              <a:rPr lang="en-US" b="1" dirty="0"/>
+              <a:t>)</a:t>
+            </a:r>
+            <a:endParaRPr lang="ru-RU" dirty="0" smtClean="0"/>
+          </a:p>
+          <a:p>
             <a:r>
               <a:rPr lang="ru-RU" dirty="0" smtClean="0"/>
-              <a:t>Были изучены основы построения моделей на языке </a:t>
-            </a:r>
-            <a:r>
-              <a:rPr lang="en-US" dirty="0" err="1" smtClean="0"/>
-              <a:t>Promela</a:t>
+              <a:t>Живость </a:t>
             </a:r>
             <a:r>
               <a:rPr lang="ru-RU" dirty="0" smtClean="0"/>
-              <a:t> и описания свойств модели с помощью </a:t>
-            </a:r>
-            <a:r>
-              <a:rPr lang="en-US" dirty="0" smtClean="0"/>
-              <a:t>LTL</a:t>
+              <a:t>и справедливость</a:t>
+            </a:r>
+          </a:p>
+          <a:p>
+            <a:pPr lvl="1"/>
+            <a:r>
+              <a:rPr lang="ru-RU" dirty="0"/>
+              <a:t>При наличии ожидающих автомобилей на каком-либо направлении ему обязательно представится возможность проехать (возможно, через какое-то время), при ограничении, что в каждом направлении не движется непрерывный поток </a:t>
+            </a:r>
+            <a:r>
+              <a:rPr lang="ru-RU" dirty="0" smtClean="0"/>
+              <a:t>автомобилей</a:t>
+            </a:r>
+          </a:p>
+          <a:p>
+            <a:pPr lvl="1"/>
+            <a:r>
+              <a:rPr lang="ru-RU" dirty="0" smtClean="0"/>
+              <a:t>Пример: </a:t>
+            </a:r>
+            <a:r>
+              <a:rPr lang="en-US" b="1" dirty="0" err="1"/>
+              <a:t>pNS_S</a:t>
+            </a:r>
+            <a:r>
+              <a:rPr lang="en-US" b="1" dirty="0"/>
+              <a:t> (</a:t>
+            </a:r>
+            <a:r>
+              <a:rPr lang="en-US" b="1" dirty="0" err="1"/>
+              <a:t>NS@green</a:t>
+            </a:r>
+            <a:r>
+              <a:rPr lang="en-US" b="1" dirty="0"/>
+              <a:t> &amp;&amp; </a:t>
+            </a:r>
+            <a:r>
+              <a:rPr lang="en-US" b="1" dirty="0" err="1"/>
+              <a:t>WN@green</a:t>
+            </a:r>
+            <a:r>
+              <a:rPr lang="en-US" b="1" dirty="0"/>
+              <a:t> &amp;&amp; </a:t>
+            </a:r>
+            <a:r>
+              <a:rPr lang="en-US" b="1" dirty="0" err="1"/>
+              <a:t>SW@green</a:t>
+            </a:r>
+            <a:r>
+              <a:rPr lang="en-US" b="1" dirty="0"/>
+              <a:t> &amp;&amp; </a:t>
+            </a:r>
+            <a:r>
+              <a:rPr lang="en-US" b="1" dirty="0" err="1"/>
+              <a:t>EW@green</a:t>
+            </a:r>
+            <a:r>
+              <a:rPr lang="en-US" b="1" dirty="0" smtClean="0"/>
+              <a:t>)</a:t>
+            </a:r>
+            <a:r>
+              <a:rPr lang="ru-RU" b="1" dirty="0" smtClean="0"/>
+              <a:t> </a:t>
+            </a:r>
+            <a:r>
+              <a:rPr lang="ru-RU" dirty="0" smtClean="0"/>
+              <a:t>при</a:t>
+            </a:r>
+            <a:r>
+              <a:rPr lang="ru-RU" dirty="0" smtClean="0"/>
+              <a:t>:</a:t>
+            </a:r>
+          </a:p>
+          <a:p>
+            <a:pPr lvl="2"/>
+            <a:r>
+              <a:rPr lang="en-US" b="1" dirty="0" err="1"/>
+              <a:t>pNS_F</a:t>
+            </a:r>
+            <a:r>
+              <a:rPr lang="en-US" b="1" dirty="0"/>
+              <a:t> ((</a:t>
+            </a:r>
+            <a:r>
+              <a:rPr lang="en-US" b="1" dirty="0" err="1"/>
+              <a:t>NS@green</a:t>
+            </a:r>
+            <a:r>
+              <a:rPr lang="en-US" b="1" dirty="0"/>
+              <a:t>) &amp;&amp; </a:t>
+            </a:r>
+            <a:r>
+              <a:rPr lang="en-US" b="1" dirty="0" err="1"/>
+              <a:t>gen_t@NSTrue</a:t>
+            </a:r>
+            <a:r>
+              <a:rPr lang="en-US" b="1" dirty="0" smtClean="0"/>
+              <a:t>)</a:t>
+            </a:r>
+            <a:endParaRPr lang="ru-RU" b="1" dirty="0" smtClean="0"/>
+          </a:p>
+          <a:p>
+            <a:pPr lvl="2"/>
+            <a:r>
+              <a:rPr lang="en-US" b="1" dirty="0" err="1"/>
+              <a:t>qNS_L</a:t>
+            </a:r>
+            <a:r>
+              <a:rPr lang="en-US" b="1" dirty="0"/>
+              <a:t> (</a:t>
+            </a:r>
+            <a:r>
+              <a:rPr lang="en-US" b="1" dirty="0" err="1"/>
+              <a:t>NS@green</a:t>
+            </a:r>
+            <a:r>
+              <a:rPr lang="en-US" b="1" dirty="0"/>
+              <a:t>)</a:t>
             </a:r>
             <a:endParaRPr lang="ru-RU" dirty="0" smtClean="0"/>
           </a:p>
           <a:p>
-            <a:r>
-              <a:rPr lang="ru-RU" dirty="0" smtClean="0"/>
-              <a:t>Полученные знания могут применяться при разработке систем и ПО</a:t>
-            </a:r>
-          </a:p>
-          <a:p>
+            <a:pPr lvl="2"/>
+            <a:r>
+              <a:rPr lang="en-US" b="1" dirty="0" err="1"/>
+              <a:t>pNS_L</a:t>
+            </a:r>
+            <a:r>
+              <a:rPr lang="en-US" b="1" dirty="0"/>
+              <a:t> (</a:t>
+            </a:r>
+            <a:r>
+              <a:rPr lang="en-US" b="1" dirty="0" err="1"/>
+              <a:t>gen_t@NSTrue</a:t>
+            </a:r>
+            <a:r>
+              <a:rPr lang="en-US" b="1" dirty="0"/>
+              <a:t> &amp;&amp; (</a:t>
+            </a:r>
+            <a:r>
+              <a:rPr lang="en-US" b="1" dirty="0" err="1"/>
+              <a:t>NS@red</a:t>
+            </a:r>
+            <a:r>
+              <a:rPr lang="en-US" b="1" dirty="0" smtClean="0"/>
+              <a:t>))</a:t>
+            </a:r>
+            <a:endParaRPr lang="ru-RU" sz="3200" dirty="0"/>
+          </a:p>
+          <a:p>
+            <a:pPr lvl="2"/>
             <a:endParaRPr lang="ru-RU" dirty="0"/>
           </a:p>
         </p:txBody>
@@ -5510,7 +5620,7 @@
     </p:spTree>
     <p:extLst>
       <p:ext uri="{BB962C8B-B14F-4D97-AF65-F5344CB8AC3E}">
-        <p14:creationId xmlns:p14="http://schemas.microsoft.com/office/powerpoint/2010/main" val="1182215381"/>
+        <p14:creationId xmlns:p14="http://schemas.microsoft.com/office/powerpoint/2010/main" val="1373475117"/>
       </p:ext>
     </p:extLst>
   </p:cSld>
@@ -5564,7 +5674,7 @@
           <a:p>
             <a:r>
               <a:rPr lang="ru-RU" dirty="0" smtClean="0"/>
-              <a:t>Список использованных материалов</a:t>
+              <a:t>Результаты и выводы</a:t>
             </a:r>
             <a:endParaRPr lang="ru-RU" dirty="0"/>
           </a:p>
@@ -5585,218 +5695,46 @@
           <a:bodyPr/>
           <a:lstStyle/>
           <a:p>
-            <a:pPr lvl="0"/>
-            <a:r>
-              <a:rPr lang="ru-RU" dirty="0"/>
-              <a:t>Ю.Г. Карпов, И.В. </a:t>
-            </a:r>
-            <a:r>
-              <a:rPr lang="ru-RU" dirty="0" err="1"/>
-              <a:t>Шошмина</a:t>
-            </a:r>
-            <a:r>
-              <a:rPr lang="ru-RU" dirty="0"/>
-              <a:t> Верификация распределенных систем – СПб.: Издательство Политехнического университета, 2011</a:t>
-            </a:r>
-          </a:p>
-          <a:p>
-            <a:pPr lvl="0"/>
-            <a:r>
-              <a:rPr lang="en-US" dirty="0"/>
-              <a:t>Thomas Wahl – Fairness and </a:t>
-            </a:r>
-            <a:r>
-              <a:rPr lang="en-US" dirty="0" err="1"/>
-              <a:t>Liveness</a:t>
-            </a:r>
-            <a:r>
-              <a:rPr lang="en-US" dirty="0"/>
-              <a:t> URL: </a:t>
-            </a:r>
-            <a:r>
-              <a:rPr lang="en-US" u="sng" dirty="0">
-                <a:hlinkClick r:id="rId2"/>
-              </a:rPr>
-              <a:t>http://www.ccs.neu.edu/home/wahl/Publications/fairness.pdf</a:t>
-            </a:r>
-            <a:r>
-              <a:rPr lang="en-US" dirty="0"/>
-              <a:t> </a:t>
-            </a:r>
-            <a:endParaRPr lang="ru-RU" dirty="0"/>
-          </a:p>
-          <a:p>
-            <a:pPr lvl="0"/>
-            <a:r>
-              <a:rPr lang="en-US" dirty="0"/>
-              <a:t>Concurrent programming lab2 </a:t>
+            <a:r>
+              <a:rPr lang="ru-RU" dirty="0" smtClean="0"/>
+              <a:t>Модель удовлетворяет всем свойствам корректности для заданных направлений</a:t>
+            </a:r>
+          </a:p>
+          <a:p>
+            <a:r>
+              <a:rPr lang="ru-RU" dirty="0" smtClean="0"/>
+              <a:t>Были исследованы возможности системы верификации </a:t>
             </a:r>
             <a:r>
               <a:rPr lang="en-US" dirty="0" smtClean="0"/>
-              <a:t>URL:</a:t>
-            </a:r>
+              <a:t>SPIN</a:t>
+            </a:r>
+            <a:endParaRPr lang="ru-RU" dirty="0" smtClean="0"/>
+          </a:p>
+          <a:p>
             <a:r>
               <a:rPr lang="ru-RU" dirty="0" smtClean="0"/>
-              <a:t> </a:t>
-            </a:r>
-            <a:r>
-              <a:rPr lang="en-US" u="sng" dirty="0" smtClean="0">
-                <a:hlinkClick r:id="rId3"/>
-              </a:rPr>
-              <a:t>http</a:t>
-            </a:r>
-            <a:r>
-              <a:rPr lang="en-US" u="sng" dirty="0">
-                <a:hlinkClick r:id="rId3"/>
-              </a:rPr>
-              <a:t>://</a:t>
-            </a:r>
-            <a:r>
-              <a:rPr lang="en-US" u="sng" dirty="0" smtClean="0">
-                <a:hlinkClick r:id="rId3"/>
-              </a:rPr>
-              <a:t>www2.compute.dtu.dk/courses/02158/sol_cplab2.html</a:t>
-            </a:r>
-            <a:endParaRPr lang="ru-RU" u="sng" dirty="0" smtClean="0"/>
-          </a:p>
-          <a:p>
-            <a:r>
-              <a:rPr lang="en-US" dirty="0"/>
-              <a:t>Andrew Ireland - Distributed Systems Programming (F21DS1) SPIN: Formal Analysis I URL: </a:t>
-            </a:r>
-            <a:r>
-              <a:rPr lang="en-US" u="sng" dirty="0">
-                <a:hlinkClick r:id="rId4"/>
-              </a:rPr>
-              <a:t>http://www.macs.hw.ac.uk/~</a:t>
-            </a:r>
-            <a:r>
-              <a:rPr lang="en-US" u="sng" dirty="0" smtClean="0">
-                <a:hlinkClick r:id="rId4"/>
-              </a:rPr>
-              <a:t>air/dsp-spin/lectures/lec-6-spin-2.pdf</a:t>
-            </a:r>
-            <a:endParaRPr lang="ru-RU" u="sng" dirty="0" smtClean="0"/>
-          </a:p>
-          <a:p>
-            <a:pPr lvl="0"/>
-            <a:r>
-              <a:rPr lang="en-US" dirty="0"/>
-              <a:t>AG-</a:t>
-            </a:r>
-            <a:r>
-              <a:rPr lang="en-US" dirty="0" err="1"/>
-              <a:t>Wehrheim</a:t>
-            </a:r>
-            <a:r>
-              <a:rPr lang="en-US" dirty="0"/>
-              <a:t> – Verification with SPIN </a:t>
+              <a:t>Были изучены основы построения моделей на языке </a:t>
+            </a:r>
+            <a:r>
+              <a:rPr lang="en-US" dirty="0" err="1" smtClean="0"/>
+              <a:t>Promela</a:t>
+            </a:r>
+            <a:r>
+              <a:rPr lang="ru-RU" dirty="0" smtClean="0"/>
+              <a:t> и описания свойств модели с помощью </a:t>
             </a:r>
             <a:r>
               <a:rPr lang="en-US" dirty="0" smtClean="0"/>
-              <a:t>URL:</a:t>
-            </a:r>
+              <a:t>LTL</a:t>
+            </a:r>
+            <a:endParaRPr lang="ru-RU" dirty="0" smtClean="0"/>
+          </a:p>
+          <a:p>
             <a:r>
               <a:rPr lang="ru-RU" dirty="0" smtClean="0"/>
-              <a:t> </a:t>
-            </a:r>
-            <a:r>
-              <a:rPr lang="en-US" u="sng" dirty="0" smtClean="0">
-                <a:hlinkClick r:id="rId5"/>
-              </a:rPr>
-              <a:t>http</a:t>
-            </a:r>
-            <a:r>
-              <a:rPr lang="en-US" u="sng" dirty="0">
-                <a:hlinkClick r:id="rId5"/>
-              </a:rPr>
-              <a:t>://</a:t>
-            </a:r>
-            <a:r>
-              <a:rPr lang="en-US" u="sng" dirty="0" smtClean="0">
-                <a:hlinkClick r:id="rId5"/>
-              </a:rPr>
-              <a:t>www.cs.uni</a:t>
-            </a:r>
-            <a:r>
-              <a:rPr lang="ru-RU" u="sng" dirty="0" smtClean="0">
-                <a:hlinkClick r:id="rId5"/>
-              </a:rPr>
-              <a:t>-</a:t>
-            </a:r>
-            <a:r>
-              <a:rPr lang="en-US" u="sng" dirty="0" smtClean="0">
-                <a:hlinkClick r:id="rId5"/>
-              </a:rPr>
-              <a:t>paderborn.de/</a:t>
-            </a:r>
-            <a:r>
-              <a:rPr lang="en-US" u="sng" dirty="0" err="1" smtClean="0">
-                <a:hlinkClick r:id="rId5"/>
-              </a:rPr>
-              <a:t>fileadmin</a:t>
-            </a:r>
-            <a:r>
-              <a:rPr lang="en-US" u="sng" dirty="0" smtClean="0">
-                <a:hlinkClick r:id="rId5"/>
-              </a:rPr>
-              <a:t>/</a:t>
-            </a:r>
-            <a:r>
-              <a:rPr lang="en-US" u="sng" dirty="0" err="1" smtClean="0">
-                <a:hlinkClick r:id="rId5"/>
-              </a:rPr>
-              <a:t>Informatik</a:t>
-            </a:r>
-            <a:r>
-              <a:rPr lang="en-US" u="sng" dirty="0" smtClean="0">
-                <a:hlinkClick r:id="rId5"/>
-              </a:rPr>
-              <a:t>/AG-</a:t>
-            </a:r>
-            <a:r>
-              <a:rPr lang="en-US" u="sng" dirty="0" err="1" smtClean="0">
-                <a:hlinkClick r:id="rId5"/>
-              </a:rPr>
-              <a:t>Wehrheim</a:t>
-            </a:r>
-            <a:r>
-              <a:rPr lang="en-US" u="sng" dirty="0" smtClean="0">
-                <a:hlinkClick r:id="rId5"/>
-              </a:rPr>
-              <a:t>/</a:t>
-            </a:r>
-            <a:r>
-              <a:rPr lang="en-US" u="sng" dirty="0" err="1" smtClean="0">
-                <a:hlinkClick r:id="rId5"/>
-              </a:rPr>
-              <a:t>Lehre</a:t>
-            </a:r>
-            <a:r>
-              <a:rPr lang="en-US" u="sng" dirty="0" smtClean="0">
-                <a:hlinkClick r:id="rId5"/>
-              </a:rPr>
-              <a:t>/SS09/</a:t>
-            </a:r>
-            <a:r>
-              <a:rPr lang="en-US" u="sng" dirty="0" err="1" smtClean="0">
-                <a:hlinkClick r:id="rId5"/>
-              </a:rPr>
-              <a:t>Model_Checking</a:t>
-            </a:r>
-            <a:r>
-              <a:rPr lang="en-US" u="sng" dirty="0" smtClean="0">
-                <a:hlinkClick r:id="rId5"/>
-              </a:rPr>
-              <a:t>/Slides/11May09.pdf</a:t>
-            </a:r>
-            <a:endParaRPr lang="ru-RU" dirty="0"/>
-          </a:p>
-          <a:p>
-            <a:pPr marL="0" lvl="0" indent="0">
-              <a:buNone/>
-            </a:pPr>
-            <a:endParaRPr lang="ru-RU" dirty="0"/>
+              <a:t>Полученные знания могут применяться при разработке систем и ПО</a:t>
+            </a:r>
           </a:p>
           <a:p>
             <a:endParaRPr lang="ru-RU" dirty="0"/>
@@ -5830,7 +5768,7 @@
     </p:spTree>
     <p:extLst>
       <p:ext uri="{BB962C8B-B14F-4D97-AF65-F5344CB8AC3E}">
-        <p14:creationId xmlns:p14="http://schemas.microsoft.com/office/powerpoint/2010/main" val="1359348200"/>
+        <p14:creationId xmlns:p14="http://schemas.microsoft.com/office/powerpoint/2010/main" val="1182215381"/>
       </p:ext>
     </p:extLst>
   </p:cSld>
